--- a/2. Proposal/Seminar Proposal/Metode Linear Regression.pptx
+++ b/2. Proposal/Seminar Proposal/Metode Linear Regression.pptx
@@ -223,7 +223,7 @@
           <a:p>
             <a:fld id="{80680FBE-A8DF-4758-9AC4-3A9E1039168F}" type="datetimeFigureOut">
               <a:rPr lang="en-US" smtClean="0"/>
-              <a:t>3/13/2022</a:t>
+              <a:t>3/15/2022</a:t>
             </a:fld>
             <a:endParaRPr lang="en-US" dirty="0"/>
           </a:p>
@@ -388,7 +388,7 @@
           <a:p>
             <a:fld id="{EC13577B-6902-467D-A26C-08A0DD5E4E03}" type="datetimeFigureOut">
               <a:rPr lang="en-US" smtClean="0"/>
-              <a:t>3/13/2022</a:t>
+              <a:t>3/15/2022</a:t>
             </a:fld>
             <a:endParaRPr lang="en-US" dirty="0"/>
           </a:p>
@@ -1183,7 +1183,7 @@
             <a:fld id="{8BEEBAAA-29B5-4AF5-BC5F-7E580C29002D}" type="datetimeFigureOut">
               <a:rPr lang="en-US" smtClean="0"/>
               <a:pPr/>
-              <a:t>3/13/2022</a:t>
+              <a:t>3/15/2022</a:t>
             </a:fld>
             <a:endParaRPr lang="en-US" dirty="0"/>
           </a:p>
@@ -1809,7 +1809,7 @@
             <a:fld id="{8BEEBAAA-29B5-4AF5-BC5F-7E580C29002D}" type="datetimeFigureOut">
               <a:rPr lang="en-US" smtClean="0"/>
               <a:pPr/>
-              <a:t>3/13/2022</a:t>
+              <a:t>3/15/2022</a:t>
             </a:fld>
             <a:endParaRPr lang="en-US" dirty="0"/>
           </a:p>
@@ -2599,7 +2599,25 @@
                 <a:ea typeface="Calibri" panose="020F0502020204030204" pitchFamily="34" charset="0"/>
                 <a:cs typeface="Calibri" panose="020F0502020204030204" pitchFamily="34" charset="0"/>
               </a:rPr>
-              <a:t>Metode Regresi Linear adalah Metode Statistik yang berfungsi untuk menguji sejauh mana hubungan sebab akibat antara Variabel Faktor Penyebab (X) terhadap Variabel Akibatnya. Faktor Penyebab pada umumnya dilambangkan dengan X atau disebut juga dengan Predictor sedangkan Variabel Akibat dilambangkan dengan Y atau disebut juga dengan Response. Regresi Linear Sederhana atau sering disingkat dengan SLR (Simple Linear Regression) juga merupakan salah satu Metode Statistik yang dipergunakan dalam produksi untuk melakukan peramalan ataupun prediksi tentang karakteristik kualitas maupun Kuantitas.</a:t>
+              <a:t>Metode Regresi Linear adalah Metode Statistik yang berfungsi untuk menguji sejauh mana hubungan sebab akibat antara Variabel Faktor Penyebab (X) terhadap Variabel Akibatnya. Faktor Penyebab pada umumnya dilambangkan dengan X atau disebut juga dengan Predictor sedangkan Variabel Akibat dilambangkan dengan Y atau disebut juga dengan Response. Regresi </a:t>
+            </a:r>
+            <a:r>
+              <a:rPr lang="id-ID" sz="1800">
+                <a:effectLst/>
+                <a:latin typeface="Calibri" panose="020F0502020204030204" pitchFamily="34" charset="0"/>
+                <a:ea typeface="Calibri" panose="020F0502020204030204" pitchFamily="34" charset="0"/>
+                <a:cs typeface="Calibri" panose="020F0502020204030204" pitchFamily="34" charset="0"/>
+              </a:rPr>
+              <a:t>Linear juga </a:t>
+            </a:r>
+            <a:r>
+              <a:rPr lang="id-ID" sz="1800" dirty="0">
+                <a:effectLst/>
+                <a:latin typeface="Calibri" panose="020F0502020204030204" pitchFamily="34" charset="0"/>
+                <a:ea typeface="Calibri" panose="020F0502020204030204" pitchFamily="34" charset="0"/>
+                <a:cs typeface="Calibri" panose="020F0502020204030204" pitchFamily="34" charset="0"/>
+              </a:rPr>
+              <a:t>merupakan salah satu Metode Statistik yang dipergunakan dalam produksi untuk melakukan peramalan ataupun prediksi tentang karakteristik kualitas maupun Kuantitas.</a:t>
             </a:r>
           </a:p>
         </p:txBody>
@@ -3163,277 +3181,7 @@
                 <a:latin typeface="Calibri" panose="020F0502020204030204" pitchFamily="34" charset="0"/>
                 <a:cs typeface="Calibri" panose="020F0502020204030204" pitchFamily="34" charset="0"/>
               </a:rPr>
-              <a:t> oleh Predictor.</a:t>
-            </a:r>
-          </a:p>
-          <a:p>
-            <a:pPr marL="0" indent="0">
-              <a:spcAft>
-                <a:spcPts val="2000"/>
-              </a:spcAft>
-              <a:buNone/>
-            </a:pPr>
-            <a:r>
-              <a:rPr lang="en-US" sz="1600" dirty="0">
-                <a:latin typeface="Calibri" panose="020F0502020204030204" pitchFamily="34" charset="0"/>
-                <a:cs typeface="Calibri" panose="020F0502020204030204" pitchFamily="34" charset="0"/>
-              </a:rPr>
-              <a:t>Nilai-</a:t>
-            </a:r>
-            <a:r>
-              <a:rPr lang="en-US" sz="1600" dirty="0" err="1">
-                <a:latin typeface="Calibri" panose="020F0502020204030204" pitchFamily="34" charset="0"/>
-                <a:cs typeface="Calibri" panose="020F0502020204030204" pitchFamily="34" charset="0"/>
-              </a:rPr>
-              <a:t>nilai</a:t>
-            </a:r>
-            <a:r>
-              <a:rPr lang="en-US" sz="1600" dirty="0">
-                <a:latin typeface="Calibri" panose="020F0502020204030204" pitchFamily="34" charset="0"/>
-                <a:cs typeface="Calibri" panose="020F0502020204030204" pitchFamily="34" charset="0"/>
-              </a:rPr>
-              <a:t> a dan b dapat </a:t>
-            </a:r>
-            <a:r>
-              <a:rPr lang="en-US" sz="1600" dirty="0" err="1">
-                <a:latin typeface="Calibri" panose="020F0502020204030204" pitchFamily="34" charset="0"/>
-                <a:cs typeface="Calibri" panose="020F0502020204030204" pitchFamily="34" charset="0"/>
-              </a:rPr>
-              <a:t>dihitung</a:t>
-            </a:r>
-            <a:r>
-              <a:rPr lang="en-US" sz="1600" dirty="0">
-                <a:latin typeface="Calibri" panose="020F0502020204030204" pitchFamily="34" charset="0"/>
-                <a:cs typeface="Calibri" panose="020F0502020204030204" pitchFamily="34" charset="0"/>
-              </a:rPr>
-              <a:t> dengan </a:t>
-            </a:r>
-            <a:r>
-              <a:rPr lang="en-US" sz="1600" dirty="0" err="1">
-                <a:latin typeface="Calibri" panose="020F0502020204030204" pitchFamily="34" charset="0"/>
-                <a:cs typeface="Calibri" panose="020F0502020204030204" pitchFamily="34" charset="0"/>
-              </a:rPr>
-              <a:t>menggunakan</a:t>
-            </a:r>
-            <a:r>
-              <a:rPr lang="en-US" sz="1600" dirty="0">
-                <a:latin typeface="Calibri" panose="020F0502020204030204" pitchFamily="34" charset="0"/>
-                <a:cs typeface="Calibri" panose="020F0502020204030204" pitchFamily="34" charset="0"/>
-              </a:rPr>
-              <a:t> </a:t>
-            </a:r>
-            <a:r>
-              <a:rPr lang="en-US" sz="1600" dirty="0" err="1">
-                <a:latin typeface="Calibri" panose="020F0502020204030204" pitchFamily="34" charset="0"/>
-                <a:cs typeface="Calibri" panose="020F0502020204030204" pitchFamily="34" charset="0"/>
-              </a:rPr>
-              <a:t>Rumus</a:t>
-            </a:r>
-            <a:r>
-              <a:rPr lang="en-US" sz="1600" dirty="0">
-                <a:latin typeface="Calibri" panose="020F0502020204030204" pitchFamily="34" charset="0"/>
-                <a:cs typeface="Calibri" panose="020F0502020204030204" pitchFamily="34" charset="0"/>
-              </a:rPr>
-              <a:t> </a:t>
-            </a:r>
-            <a:r>
-              <a:rPr lang="en-US" sz="1600" dirty="0" err="1">
-                <a:latin typeface="Calibri" panose="020F0502020204030204" pitchFamily="34" charset="0"/>
-                <a:cs typeface="Calibri" panose="020F0502020204030204" pitchFamily="34" charset="0"/>
-              </a:rPr>
-              <a:t>dibawah</a:t>
-            </a:r>
-            <a:r>
-              <a:rPr lang="en-US" sz="1600" dirty="0">
-                <a:latin typeface="Calibri" panose="020F0502020204030204" pitchFamily="34" charset="0"/>
-                <a:cs typeface="Calibri" panose="020F0502020204030204" pitchFamily="34" charset="0"/>
-              </a:rPr>
-              <a:t> ini :</a:t>
-            </a:r>
-          </a:p>
-          <a:p>
-            <a:pPr marL="0" indent="0">
-              <a:spcAft>
-                <a:spcPts val="2000"/>
-              </a:spcAft>
-              <a:buNone/>
-            </a:pPr>
-            <a:r>
-              <a:rPr lang="en-US" sz="1600" dirty="0">
-                <a:latin typeface="Calibri" panose="020F0502020204030204" pitchFamily="34" charset="0"/>
-                <a:cs typeface="Calibri" panose="020F0502020204030204" pitchFamily="34" charset="0"/>
-              </a:rPr>
-              <a:t>a =   (</a:t>
-            </a:r>
-            <a:r>
-              <a:rPr lang="el-GR" sz="1600" dirty="0">
-                <a:latin typeface="Calibri" panose="020F0502020204030204" pitchFamily="34" charset="0"/>
-                <a:cs typeface="Calibri" panose="020F0502020204030204" pitchFamily="34" charset="0"/>
-              </a:rPr>
-              <a:t>Σ</a:t>
-            </a:r>
-            <a:r>
-              <a:rPr lang="en-US" sz="1600" dirty="0">
-                <a:latin typeface="Calibri" panose="020F0502020204030204" pitchFamily="34" charset="0"/>
-                <a:cs typeface="Calibri" panose="020F0502020204030204" pitchFamily="34" charset="0"/>
-              </a:rPr>
-              <a:t>y) (</a:t>
-            </a:r>
-            <a:r>
-              <a:rPr lang="el-GR" sz="1600" dirty="0">
-                <a:latin typeface="Calibri" panose="020F0502020204030204" pitchFamily="34" charset="0"/>
-                <a:cs typeface="Calibri" panose="020F0502020204030204" pitchFamily="34" charset="0"/>
-              </a:rPr>
-              <a:t>Σ</a:t>
-            </a:r>
-            <a:r>
-              <a:rPr lang="en-US" sz="1600" dirty="0">
-                <a:latin typeface="Calibri" panose="020F0502020204030204" pitchFamily="34" charset="0"/>
-                <a:cs typeface="Calibri" panose="020F0502020204030204" pitchFamily="34" charset="0"/>
-              </a:rPr>
-              <a:t>x²) – (</a:t>
-            </a:r>
-            <a:r>
-              <a:rPr lang="el-GR" sz="1600" dirty="0">
-                <a:latin typeface="Calibri" panose="020F0502020204030204" pitchFamily="34" charset="0"/>
-                <a:cs typeface="Calibri" panose="020F0502020204030204" pitchFamily="34" charset="0"/>
-              </a:rPr>
-              <a:t>Σ</a:t>
-            </a:r>
-            <a:r>
-              <a:rPr lang="en-US" sz="1600" dirty="0">
-                <a:latin typeface="Calibri" panose="020F0502020204030204" pitchFamily="34" charset="0"/>
-                <a:cs typeface="Calibri" panose="020F0502020204030204" pitchFamily="34" charset="0"/>
-              </a:rPr>
-              <a:t>x) (</a:t>
-            </a:r>
-            <a:r>
-              <a:rPr lang="el-GR" sz="1600" dirty="0">
-                <a:latin typeface="Calibri" panose="020F0502020204030204" pitchFamily="34" charset="0"/>
-                <a:cs typeface="Calibri" panose="020F0502020204030204" pitchFamily="34" charset="0"/>
-              </a:rPr>
-              <a:t>Σ</a:t>
-            </a:r>
-            <a:r>
-              <a:rPr lang="en-US" sz="1600" dirty="0" err="1">
-                <a:latin typeface="Calibri" panose="020F0502020204030204" pitchFamily="34" charset="0"/>
-                <a:cs typeface="Calibri" panose="020F0502020204030204" pitchFamily="34" charset="0"/>
-              </a:rPr>
-              <a:t>xy</a:t>
-            </a:r>
-            <a:r>
-              <a:rPr lang="en-US" sz="1600" dirty="0">
-                <a:latin typeface="Calibri" panose="020F0502020204030204" pitchFamily="34" charset="0"/>
-                <a:cs typeface="Calibri" panose="020F0502020204030204" pitchFamily="34" charset="0"/>
-              </a:rPr>
-              <a:t>)</a:t>
-            </a:r>
-          </a:p>
-          <a:p>
-            <a:pPr marL="0" indent="0">
-              <a:spcAft>
-                <a:spcPts val="2000"/>
-              </a:spcAft>
-              <a:buNone/>
-            </a:pPr>
-            <a:r>
-              <a:rPr lang="en-US" sz="1600" dirty="0">
-                <a:latin typeface="Calibri" panose="020F0502020204030204" pitchFamily="34" charset="0"/>
-                <a:cs typeface="Calibri" panose="020F0502020204030204" pitchFamily="34" charset="0"/>
-              </a:rPr>
-              <a:t>.                n(</a:t>
-            </a:r>
-            <a:r>
-              <a:rPr lang="el-GR" sz="1600" dirty="0">
-                <a:latin typeface="Calibri" panose="020F0502020204030204" pitchFamily="34" charset="0"/>
-                <a:cs typeface="Calibri" panose="020F0502020204030204" pitchFamily="34" charset="0"/>
-              </a:rPr>
-              <a:t>Σ</a:t>
-            </a:r>
-            <a:r>
-              <a:rPr lang="en-US" sz="1600" dirty="0">
-                <a:latin typeface="Calibri" panose="020F0502020204030204" pitchFamily="34" charset="0"/>
-                <a:cs typeface="Calibri" panose="020F0502020204030204" pitchFamily="34" charset="0"/>
-              </a:rPr>
-              <a:t>x²) – (</a:t>
-            </a:r>
-            <a:r>
-              <a:rPr lang="el-GR" sz="1600" dirty="0">
-                <a:latin typeface="Calibri" panose="020F0502020204030204" pitchFamily="34" charset="0"/>
-                <a:cs typeface="Calibri" panose="020F0502020204030204" pitchFamily="34" charset="0"/>
-              </a:rPr>
-              <a:t>Σ</a:t>
-            </a:r>
-            <a:r>
-              <a:rPr lang="en-US" sz="1600" dirty="0">
-                <a:latin typeface="Calibri" panose="020F0502020204030204" pitchFamily="34" charset="0"/>
-                <a:cs typeface="Calibri" panose="020F0502020204030204" pitchFamily="34" charset="0"/>
-              </a:rPr>
-              <a:t>x)²</a:t>
-            </a:r>
-          </a:p>
-          <a:p>
-            <a:pPr marL="0" indent="0">
-              <a:spcAft>
-                <a:spcPts val="2000"/>
-              </a:spcAft>
-              <a:buNone/>
-            </a:pPr>
-            <a:r>
-              <a:rPr lang="en-US" sz="1600" dirty="0">
-                <a:latin typeface="Calibri" panose="020F0502020204030204" pitchFamily="34" charset="0"/>
-                <a:cs typeface="Calibri" panose="020F0502020204030204" pitchFamily="34" charset="0"/>
-              </a:rPr>
-              <a:t>b =   n(</a:t>
-            </a:r>
-            <a:r>
-              <a:rPr lang="el-GR" sz="1600" dirty="0">
-                <a:latin typeface="Calibri" panose="020F0502020204030204" pitchFamily="34" charset="0"/>
-                <a:cs typeface="Calibri" panose="020F0502020204030204" pitchFamily="34" charset="0"/>
-              </a:rPr>
-              <a:t>Σ</a:t>
-            </a:r>
-            <a:r>
-              <a:rPr lang="en-US" sz="1600" dirty="0" err="1">
-                <a:latin typeface="Calibri" panose="020F0502020204030204" pitchFamily="34" charset="0"/>
-                <a:cs typeface="Calibri" panose="020F0502020204030204" pitchFamily="34" charset="0"/>
-              </a:rPr>
-              <a:t>xy</a:t>
-            </a:r>
-            <a:r>
-              <a:rPr lang="en-US" sz="1600" dirty="0">
-                <a:latin typeface="Calibri" panose="020F0502020204030204" pitchFamily="34" charset="0"/>
-                <a:cs typeface="Calibri" panose="020F0502020204030204" pitchFamily="34" charset="0"/>
-              </a:rPr>
-              <a:t>) – (</a:t>
-            </a:r>
-            <a:r>
-              <a:rPr lang="el-GR" sz="1600" dirty="0">
-                <a:latin typeface="Calibri" panose="020F0502020204030204" pitchFamily="34" charset="0"/>
-                <a:cs typeface="Calibri" panose="020F0502020204030204" pitchFamily="34" charset="0"/>
-              </a:rPr>
-              <a:t>Σ</a:t>
-            </a:r>
-            <a:r>
-              <a:rPr lang="en-US" sz="1600" dirty="0">
-                <a:latin typeface="Calibri" panose="020F0502020204030204" pitchFamily="34" charset="0"/>
-                <a:cs typeface="Calibri" panose="020F0502020204030204" pitchFamily="34" charset="0"/>
-              </a:rPr>
-              <a:t>x) (</a:t>
-            </a:r>
-            <a:r>
-              <a:rPr lang="el-GR" sz="1600" dirty="0">
-                <a:latin typeface="Calibri" panose="020F0502020204030204" pitchFamily="34" charset="0"/>
-                <a:cs typeface="Calibri" panose="020F0502020204030204" pitchFamily="34" charset="0"/>
-              </a:rPr>
-              <a:t>Σ</a:t>
-            </a:r>
-            <a:r>
-              <a:rPr lang="en-US" sz="1600" dirty="0">
-                <a:latin typeface="Calibri" panose="020F0502020204030204" pitchFamily="34" charset="0"/>
-                <a:cs typeface="Calibri" panose="020F0502020204030204" pitchFamily="34" charset="0"/>
-              </a:rPr>
-              <a:t>y)</a:t>
+              <a:t> oleh Predictor. </a:t>
             </a:r>
           </a:p>
         </p:txBody>

--- a/2. Proposal/Seminar Proposal/Metode Linear Regression.pptx
+++ b/2. Proposal/Seminar Proposal/Metode Linear Regression.pptx
@@ -223,7 +223,7 @@
           <a:p>
             <a:fld id="{80680FBE-A8DF-4758-9AC4-3A9E1039168F}" type="datetimeFigureOut">
               <a:rPr lang="en-US" smtClean="0"/>
-              <a:t>3/15/2022</a:t>
+              <a:t>8/8/2022</a:t>
             </a:fld>
             <a:endParaRPr lang="en-US" dirty="0"/>
           </a:p>
@@ -388,7 +388,7 @@
           <a:p>
             <a:fld id="{EC13577B-6902-467D-A26C-08A0DD5E4E03}" type="datetimeFigureOut">
               <a:rPr lang="en-US" smtClean="0"/>
-              <a:t>3/15/2022</a:t>
+              <a:t>8/8/2022</a:t>
             </a:fld>
             <a:endParaRPr lang="en-US" dirty="0"/>
           </a:p>
@@ -1183,7 +1183,7 @@
             <a:fld id="{8BEEBAAA-29B5-4AF5-BC5F-7E580C29002D}" type="datetimeFigureOut">
               <a:rPr lang="en-US" smtClean="0"/>
               <a:pPr/>
-              <a:t>3/15/2022</a:t>
+              <a:t>8/8/2022</a:t>
             </a:fld>
             <a:endParaRPr lang="en-US" dirty="0"/>
           </a:p>
@@ -1809,7 +1809,7 @@
             <a:fld id="{8BEEBAAA-29B5-4AF5-BC5F-7E580C29002D}" type="datetimeFigureOut">
               <a:rPr lang="en-US" smtClean="0"/>
               <a:pPr/>
-              <a:t>3/15/2022</a:t>
+              <a:t>8/8/2022</a:t>
             </a:fld>
             <a:endParaRPr lang="en-US" dirty="0"/>
           </a:p>
@@ -2378,7 +2378,7 @@
         <p:spPr>
           <a:xfrm>
             <a:off x="541610" y="1524708"/>
-            <a:ext cx="11121854" cy="3871518"/>
+            <a:ext cx="11121854" cy="2035616"/>
           </a:xfrm>
           <a:prstGeom prst="rect">
             <a:avLst/>
@@ -2599,25 +2599,7 @@
                 <a:ea typeface="Calibri" panose="020F0502020204030204" pitchFamily="34" charset="0"/>
                 <a:cs typeface="Calibri" panose="020F0502020204030204" pitchFamily="34" charset="0"/>
               </a:rPr>
-              <a:t>Metode Regresi Linear adalah Metode Statistik yang berfungsi untuk menguji sejauh mana hubungan sebab akibat antara Variabel Faktor Penyebab (X) terhadap Variabel Akibatnya. Faktor Penyebab pada umumnya dilambangkan dengan X atau disebut juga dengan Predictor sedangkan Variabel Akibat dilambangkan dengan Y atau disebut juga dengan Response. Regresi </a:t>
-            </a:r>
-            <a:r>
-              <a:rPr lang="id-ID" sz="1800">
-                <a:effectLst/>
-                <a:latin typeface="Calibri" panose="020F0502020204030204" pitchFamily="34" charset="0"/>
-                <a:ea typeface="Calibri" panose="020F0502020204030204" pitchFamily="34" charset="0"/>
-                <a:cs typeface="Calibri" panose="020F0502020204030204" pitchFamily="34" charset="0"/>
-              </a:rPr>
-              <a:t>Linear juga </a:t>
-            </a:r>
-            <a:r>
-              <a:rPr lang="id-ID" sz="1800" dirty="0">
-                <a:effectLst/>
-                <a:latin typeface="Calibri" panose="020F0502020204030204" pitchFamily="34" charset="0"/>
-                <a:ea typeface="Calibri" panose="020F0502020204030204" pitchFamily="34" charset="0"/>
-                <a:cs typeface="Calibri" panose="020F0502020204030204" pitchFamily="34" charset="0"/>
-              </a:rPr>
-              <a:t>merupakan salah satu Metode Statistik yang dipergunakan dalam produksi untuk melakukan peramalan ataupun prediksi tentang karakteristik kualitas maupun Kuantitas.</a:t>
+              <a:t>Metode Regresi Linear adalah Metode Statistik yang berfungsi untuk menguji sejauh mana hubungan sebab akibat antara Variabel Faktor Penyebab (X) terhadap Variabel Akibatnya. Faktor Penyebab pada umumnya dilambangkan dengan X atau disebut juga dengan Predictor sedangkan Variabel Akibat dilambangkan dengan Y atau disebut juga dengan Response. Regresi Linear juga merupakan salah satu Metode Statistik yang dipergunakan dalam produksi untuk melakukan peramalan ataupun prediksi tentang karakteristik kualitas maupun Kuantitas.</a:t>
             </a:r>
           </a:p>
         </p:txBody>
